--- a/Problem St. 1 - Build Your Own AI-ML Model.pptx
+++ b/Problem St. 1 - Build Your Own AI-ML Model.pptx
@@ -5,7 +5,7 @@
     <p:sldMasterId id="2147483648" r:id="rId1"/>
   </p:sldMasterIdLst>
   <p:notesMasterIdLst>
-    <p:notesMasterId r:id="rId10"/>
+    <p:notesMasterId r:id="rId11"/>
   </p:notesMasterIdLst>
   <p:sldIdLst>
     <p:sldId id="256" r:id="rId2"/>
@@ -15,7 +15,8 @@
     <p:sldId id="260" r:id="rId6"/>
     <p:sldId id="261" r:id="rId7"/>
     <p:sldId id="262" r:id="rId8"/>
-    <p:sldId id="263" r:id="rId9"/>
+    <p:sldId id="264" r:id="rId9"/>
+    <p:sldId id="263" r:id="rId10"/>
   </p:sldIdLst>
   <p:sldSz cx="12192000" cy="6858000"/>
   <p:notesSz cx="6858000" cy="9144000"/>
@@ -204,7 +205,7 @@
           <a:p>
             <a:fld id="{439F2C40-E770-4FEC-B8A9-317418F149BE}" type="datetimeFigureOut">
               <a:rPr lang="en-GB" smtClean="0"/>
-              <a:t>27/09/2024</a:t>
+              <a:t>28/09/2024</a:t>
             </a:fld>
             <a:endParaRPr lang="en-GB"/>
           </a:p>
@@ -1065,15 +1066,7 @@
           <a:p>
             <a:r>
               <a:rPr lang="en-GB" dirty="0"/>
-              <a:t>This is the </a:t>
-            </a:r>
-            <a:r>
-              <a:rPr lang="en-GB" dirty="0" err="1"/>
-              <a:t>rApp</a:t>
-            </a:r>
-            <a:r>
-              <a:rPr lang="en-GB" dirty="0"/>
-              <a:t>, the Non-Real-Time App, of the </a:t>
+              <a:t>This is the rApp, the Non-Real-Time App, of the </a:t>
             </a:r>
             <a:r>
               <a:rPr lang="en-GB" dirty="0" err="1"/>
@@ -1081,39 +1074,7 @@
             </a:r>
             <a:r>
               <a:rPr lang="en-GB" dirty="0"/>
-              <a:t> ecosystem for a Forensic Delay Analysis. The </a:t>
-            </a:r>
-            <a:r>
-              <a:rPr lang="en-GB" dirty="0" err="1"/>
-              <a:t>rApp</a:t>
-            </a:r>
-            <a:r>
-              <a:rPr lang="en-GB" dirty="0"/>
-              <a:t>, </a:t>
-            </a:r>
-            <a:r>
-              <a:rPr lang="en-GB" dirty="0" err="1"/>
-              <a:t>EquipAny</a:t>
-            </a:r>
-            <a:r>
-              <a:rPr lang="en-GB" dirty="0"/>
-              <a:t>, helps in identification of Risks from a Photograph taken from the Mobile Device. In this slide, the Landscape Image of the Mobile Device or a Tablet device with Hover Over Types of Issues are shown. This Photograph is a Typical Example of Generic Issues occurring at a Construction Site. Apart from Generic Issues, there are Work Stoppages, Pile Formation, Concrete Faults, Working Load, material Import and Falling Materials to be recorded as case reports. The Initial Configuration of this </a:t>
-            </a:r>
-            <a:r>
-              <a:rPr lang="en-GB" dirty="0" err="1"/>
-              <a:t>rApp</a:t>
-            </a:r>
-            <a:r>
-              <a:rPr lang="en-GB" dirty="0"/>
-              <a:t>, </a:t>
-            </a:r>
-            <a:r>
-              <a:rPr lang="en-GB" dirty="0" err="1"/>
-              <a:t>EquipAny</a:t>
-            </a:r>
-            <a:r>
-              <a:rPr lang="en-GB" dirty="0"/>
-              <a:t>, comprises of the Project Name, Project ID, Contractor and Main Contractor Names too. </a:t>
+              <a:t> ecosystem for a Forensic Delay Analysis. The rApp, EquipAny, helps in identification of Risks from a Photograph taken from the Mobile Device. In this slide, the Landscape Image of the Mobile Device or a Tablet device with Hover Over Types of Issues are shown. This Photograph is a Typical Example of Generic Issues occurring at a Construction Site. Apart from Generic Issues, there are Work Stoppages, Pile Formation, Concrete Faults, Working Load, material Import and Falling Materials to be recorded as case reports. The Initial Configuration of this rApp, EquipAny, comprises of the Project Name, Project ID, Contractor and Main Contractor Names too. </a:t>
             </a:r>
           </a:p>
         </p:txBody>
@@ -1222,7 +1183,7 @@
           <a:p>
             <a:fld id="{494BF9DC-7662-4660-8155-5825D02F44EA}" type="slidenum">
               <a:rPr lang="en-GB" smtClean="0"/>
-              <a:t>8</a:t>
+              <a:t>9</a:t>
             </a:fld>
             <a:endParaRPr lang="en-GB"/>
           </a:p>
@@ -1390,7 +1351,7 @@
           <a:p>
             <a:fld id="{2A6FF365-04B7-4711-933B-8CA15AA848A7}" type="datetimeFigureOut">
               <a:rPr lang="en-GB" smtClean="0"/>
-              <a:t>27/09/2024</a:t>
+              <a:t>28/09/2024</a:t>
             </a:fld>
             <a:endParaRPr lang="en-GB"/>
           </a:p>
@@ -1590,7 +1551,7 @@
           <a:p>
             <a:fld id="{2A6FF365-04B7-4711-933B-8CA15AA848A7}" type="datetimeFigureOut">
               <a:rPr lang="en-GB" smtClean="0"/>
-              <a:t>27/09/2024</a:t>
+              <a:t>28/09/2024</a:t>
             </a:fld>
             <a:endParaRPr lang="en-GB"/>
           </a:p>
@@ -1800,7 +1761,7 @@
           <a:p>
             <a:fld id="{2A6FF365-04B7-4711-933B-8CA15AA848A7}" type="datetimeFigureOut">
               <a:rPr lang="en-GB" smtClean="0"/>
-              <a:t>27/09/2024</a:t>
+              <a:t>28/09/2024</a:t>
             </a:fld>
             <a:endParaRPr lang="en-GB"/>
           </a:p>
@@ -2000,7 +1961,7 @@
           <a:p>
             <a:fld id="{2A6FF365-04B7-4711-933B-8CA15AA848A7}" type="datetimeFigureOut">
               <a:rPr lang="en-GB" smtClean="0"/>
-              <a:t>27/09/2024</a:t>
+              <a:t>28/09/2024</a:t>
             </a:fld>
             <a:endParaRPr lang="en-GB"/>
           </a:p>
@@ -2276,7 +2237,7 @@
           <a:p>
             <a:fld id="{2A6FF365-04B7-4711-933B-8CA15AA848A7}" type="datetimeFigureOut">
               <a:rPr lang="en-GB" smtClean="0"/>
-              <a:t>27/09/2024</a:t>
+              <a:t>28/09/2024</a:t>
             </a:fld>
             <a:endParaRPr lang="en-GB"/>
           </a:p>
@@ -2544,7 +2505,7 @@
           <a:p>
             <a:fld id="{2A6FF365-04B7-4711-933B-8CA15AA848A7}" type="datetimeFigureOut">
               <a:rPr lang="en-GB" smtClean="0"/>
-              <a:t>27/09/2024</a:t>
+              <a:t>28/09/2024</a:t>
             </a:fld>
             <a:endParaRPr lang="en-GB"/>
           </a:p>
@@ -2959,7 +2920,7 @@
           <a:p>
             <a:fld id="{2A6FF365-04B7-4711-933B-8CA15AA848A7}" type="datetimeFigureOut">
               <a:rPr lang="en-GB" smtClean="0"/>
-              <a:t>27/09/2024</a:t>
+              <a:t>28/09/2024</a:t>
             </a:fld>
             <a:endParaRPr lang="en-GB"/>
           </a:p>
@@ -3101,7 +3062,7 @@
           <a:p>
             <a:fld id="{2A6FF365-04B7-4711-933B-8CA15AA848A7}" type="datetimeFigureOut">
               <a:rPr lang="en-GB" smtClean="0"/>
-              <a:t>27/09/2024</a:t>
+              <a:t>28/09/2024</a:t>
             </a:fld>
             <a:endParaRPr lang="en-GB"/>
           </a:p>
@@ -3214,7 +3175,7 @@
           <a:p>
             <a:fld id="{2A6FF365-04B7-4711-933B-8CA15AA848A7}" type="datetimeFigureOut">
               <a:rPr lang="en-GB" smtClean="0"/>
-              <a:t>27/09/2024</a:t>
+              <a:t>28/09/2024</a:t>
             </a:fld>
             <a:endParaRPr lang="en-GB"/>
           </a:p>
@@ -3527,7 +3488,7 @@
           <a:p>
             <a:fld id="{2A6FF365-04B7-4711-933B-8CA15AA848A7}" type="datetimeFigureOut">
               <a:rPr lang="en-GB" smtClean="0"/>
-              <a:t>27/09/2024</a:t>
+              <a:t>28/09/2024</a:t>
             </a:fld>
             <a:endParaRPr lang="en-GB"/>
           </a:p>
@@ -3816,7 +3777,7 @@
           <a:p>
             <a:fld id="{2A6FF365-04B7-4711-933B-8CA15AA848A7}" type="datetimeFigureOut">
               <a:rPr lang="en-GB" smtClean="0"/>
-              <a:t>27/09/2024</a:t>
+              <a:t>28/09/2024</a:t>
             </a:fld>
             <a:endParaRPr lang="en-GB"/>
           </a:p>
@@ -4059,7 +4020,7 @@
           <a:p>
             <a:fld id="{2A6FF365-04B7-4711-933B-8CA15AA848A7}" type="datetimeFigureOut">
               <a:rPr lang="en-GB" smtClean="0"/>
-              <a:t>27/09/2024</a:t>
+              <a:t>28/09/2024</a:t>
             </a:fld>
             <a:endParaRPr lang="en-GB"/>
           </a:p>
@@ -4956,6 +4917,92 @@
             <a:r>
               <a:rPr lang="en-GB" sz="3600" dirty="0"/>
               <a:t>1836 images</a:t>
+            </a:r>
+          </a:p>
+        </p:txBody>
+      </p:sp>
+      <p:sp>
+        <p:nvSpPr>
+          <p:cNvPr id="10" name="TextBox 9">
+            <a:extLst>
+              <a:ext uri="{FF2B5EF4-FFF2-40B4-BE49-F238E27FC236}">
+                <a16:creationId xmlns:a16="http://schemas.microsoft.com/office/drawing/2014/main" id="{D7C50B23-9FF5-123B-768C-7D348A0B554E}"/>
+              </a:ext>
+            </a:extLst>
+          </p:cNvPr>
+          <p:cNvSpPr txBox="1"/>
+          <p:nvPr/>
+        </p:nvSpPr>
+        <p:spPr>
+          <a:xfrm>
+            <a:off x="0" y="-6454"/>
+            <a:ext cx="12192000" cy="369332"/>
+          </a:xfrm>
+          <a:prstGeom prst="rect">
+            <a:avLst/>
+          </a:prstGeom>
+          <a:noFill/>
+        </p:spPr>
+        <p:txBody>
+          <a:bodyPr wrap="square">
+            <a:spAutoFit/>
+          </a:bodyPr>
+          <a:lstStyle/>
+          <a:p>
+            <a:pPr algn="ctr"/>
+            <a:r>
+              <a:rPr lang="en-US" dirty="0">
+                <a:hlinkClick r:id="rId5"/>
+              </a:rPr>
+              <a:t>Construction Dataset Object Detection Dataset and Pre-Trained Model by </a:t>
+            </a:r>
+            <a:r>
+              <a:rPr lang="en-US" dirty="0" err="1">
+                <a:hlinkClick r:id="rId5"/>
+              </a:rPr>
+              <a:t>KlinterAI</a:t>
+            </a:r>
+            <a:r>
+              <a:rPr lang="en-US" dirty="0">
+                <a:hlinkClick r:id="rId5"/>
+              </a:rPr>
+              <a:t> (roboflow.com)</a:t>
+            </a:r>
+            <a:endParaRPr lang="en-GB" dirty="0"/>
+          </a:p>
+        </p:txBody>
+      </p:sp>
+      <p:sp>
+        <p:nvSpPr>
+          <p:cNvPr id="11" name="TextBox 10">
+            <a:extLst>
+              <a:ext uri="{FF2B5EF4-FFF2-40B4-BE49-F238E27FC236}">
+                <a16:creationId xmlns:a16="http://schemas.microsoft.com/office/drawing/2014/main" id="{6AE72DF9-440C-5207-01A5-72A022EE4157}"/>
+              </a:ext>
+            </a:extLst>
+          </p:cNvPr>
+          <p:cNvSpPr txBox="1"/>
+          <p:nvPr/>
+        </p:nvSpPr>
+        <p:spPr>
+          <a:xfrm>
+            <a:off x="11045952" y="85183"/>
+            <a:ext cx="1146048" cy="215444"/>
+          </a:xfrm>
+          <a:prstGeom prst="rect">
+            <a:avLst/>
+          </a:prstGeom>
+          <a:noFill/>
+        </p:spPr>
+        <p:txBody>
+          <a:bodyPr wrap="square" rtlCol="0">
+            <a:spAutoFit/>
+          </a:bodyPr>
+          <a:lstStyle/>
+          <a:p>
+            <a:r>
+              <a:rPr lang="en-GB" sz="800" dirty="0"/>
+              <a:t>Permission Granted</a:t>
             </a:r>
           </a:p>
         </p:txBody>
@@ -7515,18 +7562,9 @@
           <a:lstStyle/>
           <a:p>
             <a:r>
-              <a:rPr lang="en-GB" dirty="0" err="1"/>
-              <a:t>rApp</a:t>
-            </a:r>
-            <a:r>
               <a:rPr lang="en-GB" dirty="0"/>
-              <a:t> - </a:t>
-            </a:r>
-            <a:r>
-              <a:rPr lang="en-GB" dirty="0" err="1"/>
-              <a:t>EquipAny</a:t>
-            </a:r>
-            <a:endParaRPr lang="en-GB" dirty="0"/>
+              <a:t>rApp - EquipAny</a:t>
+            </a:r>
           </a:p>
         </p:txBody>
       </p:sp>
@@ -7628,6 +7666,100 @@
 </file>
 
 <file path=ppt/slides/slide8.xml><?xml version="1.0" encoding="utf-8"?>
+<p:sld xmlns:a="http://schemas.openxmlformats.org/drawingml/2006/main" xmlns:r="http://schemas.openxmlformats.org/officeDocument/2006/relationships" xmlns:p="http://schemas.openxmlformats.org/presentationml/2006/main">
+  <p:cSld>
+    <p:spTree>
+      <p:nvGrpSpPr>
+        <p:cNvPr id="1" name=""/>
+        <p:cNvGrpSpPr/>
+        <p:nvPr/>
+      </p:nvGrpSpPr>
+      <p:grpSpPr>
+        <a:xfrm>
+          <a:off x="0" y="0"/>
+          <a:ext cx="0" cy="0"/>
+          <a:chOff x="0" y="0"/>
+          <a:chExt cx="0" cy="0"/>
+        </a:xfrm>
+      </p:grpSpPr>
+      <p:sp>
+        <p:nvSpPr>
+          <p:cNvPr id="2" name="Title 1">
+            <a:extLst>
+              <a:ext uri="{FF2B5EF4-FFF2-40B4-BE49-F238E27FC236}">
+                <a16:creationId xmlns:a16="http://schemas.microsoft.com/office/drawing/2014/main" id="{46A3C47D-C7CE-80D7-1361-A4D2600073D6}"/>
+              </a:ext>
+            </a:extLst>
+          </p:cNvPr>
+          <p:cNvSpPr>
+            <a:spLocks noGrp="1"/>
+          </p:cNvSpPr>
+          <p:nvPr>
+            <p:ph type="title"/>
+          </p:nvPr>
+        </p:nvSpPr>
+        <p:spPr/>
+        <p:txBody>
+          <a:bodyPr/>
+          <a:lstStyle/>
+          <a:p>
+            <a:r>
+              <a:rPr lang="en-GB" dirty="0"/>
+              <a:t>rApp - EquipAny</a:t>
+            </a:r>
+          </a:p>
+        </p:txBody>
+      </p:sp>
+      <p:pic>
+        <p:nvPicPr>
+          <p:cNvPr id="7" name="Picture 6">
+            <a:extLst>
+              <a:ext uri="{FF2B5EF4-FFF2-40B4-BE49-F238E27FC236}">
+                <a16:creationId xmlns:a16="http://schemas.microsoft.com/office/drawing/2014/main" id="{07BA98E8-44D5-C3B2-605C-DCEE43625C5D}"/>
+              </a:ext>
+            </a:extLst>
+          </p:cNvPr>
+          <p:cNvPicPr>
+            <a:picLocks noChangeAspect="1"/>
+          </p:cNvPicPr>
+          <p:nvPr/>
+        </p:nvPicPr>
+        <p:blipFill>
+          <a:blip r:embed="rId2">
+            <a:extLst>
+              <a:ext uri="{28A0092B-C50C-407E-A947-70E740481C1C}">
+                <a14:useLocalDpi xmlns:a14="http://schemas.microsoft.com/office/drawing/2010/main" val="0"/>
+              </a:ext>
+            </a:extLst>
+          </a:blip>
+          <a:stretch>
+            <a:fillRect/>
+          </a:stretch>
+        </p:blipFill>
+        <p:spPr>
+          <a:xfrm>
+            <a:off x="2127640" y="1690689"/>
+            <a:ext cx="7936720" cy="5167311"/>
+          </a:xfrm>
+          <a:prstGeom prst="rect">
+            <a:avLst/>
+          </a:prstGeom>
+        </p:spPr>
+      </p:pic>
+    </p:spTree>
+    <p:extLst>
+      <p:ext uri="{BB962C8B-B14F-4D97-AF65-F5344CB8AC3E}">
+        <p14:creationId xmlns:p14="http://schemas.microsoft.com/office/powerpoint/2010/main" val="185414530"/>
+      </p:ext>
+    </p:extLst>
+  </p:cSld>
+  <p:clrMapOvr>
+    <a:masterClrMapping/>
+  </p:clrMapOvr>
+</p:sld>
+</file>
+
+<file path=ppt/slides/slide9.xml><?xml version="1.0" encoding="utf-8"?>
 <p:sld xmlns:a="http://schemas.openxmlformats.org/drawingml/2006/main" xmlns:r="http://schemas.openxmlformats.org/officeDocument/2006/relationships" xmlns:p="http://schemas.openxmlformats.org/presentationml/2006/main">
   <p:cSld>
     <p:spTree>
